--- a/Article/Note/코딩테스트_시작을위한_백준문제_추천/img/img.pptx
+++ b/Article/Note/코딩테스트_시작을위한_백준문제_추천/img/img.pptx
@@ -3447,6 +3447,51 @@
           <a:chExt cx="0" cy="0"/>
         </a:xfrm>
       </p:grpSpPr>
+      <p:pic>
+        <p:nvPicPr>
+          <p:cNvPr id="2050" name="Picture 2" descr="leetcode-solutions · GitHub Topics · GitHub">
+            <a:extLst>
+              <a:ext uri="{FF2B5EF4-FFF2-40B4-BE49-F238E27FC236}">
+                <a16:creationId xmlns:a16="http://schemas.microsoft.com/office/drawing/2014/main" id="{D874D099-70D6-2B41-A73B-42EE7A7265E7}"/>
+              </a:ext>
+            </a:extLst>
+          </p:cNvPr>
+          <p:cNvPicPr>
+            <a:picLocks noChangeAspect="1" noChangeArrowheads="1"/>
+          </p:cNvPicPr>
+          <p:nvPr/>
+        </p:nvPicPr>
+        <p:blipFill rotWithShape="1">
+          <a:blip r:embed="rId2">
+            <a:extLst>
+              <a:ext uri="{28A0092B-C50C-407E-A947-70E740481C1C}">
+                <a14:useLocalDpi xmlns:a14="http://schemas.microsoft.com/office/drawing/2010/main" val="0"/>
+              </a:ext>
+            </a:extLst>
+          </a:blip>
+          <a:srcRect l="15526" r="12729" b="14947"/>
+          <a:stretch/>
+        </p:blipFill>
+        <p:spPr bwMode="auto">
+          <a:xfrm>
+            <a:off x="4272125" y="2266950"/>
+            <a:ext cx="2683588" cy="3181350"/>
+          </a:xfrm>
+          <a:prstGeom prst="rect">
+            <a:avLst/>
+          </a:prstGeom>
+          <a:noFill/>
+          <a:extLst>
+            <a:ext uri="{909E8E84-426E-40DD-AFC4-6F175D3DCCD1}">
+              <a14:hiddenFill xmlns:a14="http://schemas.microsoft.com/office/drawing/2010/main">
+                <a:solidFill>
+                  <a:srgbClr val="FFFFFF"/>
+                </a:solidFill>
+              </a14:hiddenFill>
+            </a:ext>
+          </a:extLst>
+        </p:spPr>
+      </p:pic>
     </p:spTree>
     <p:extLst>
       <p:ext uri="{BB962C8B-B14F-4D97-AF65-F5344CB8AC3E}">

--- a/Article/Note/코딩테스트_시작을위한_백준문제_추천/img/img.pptx
+++ b/Article/Note/코딩테스트_시작을위한_백준문제_추천/img/img.pptx
@@ -3522,6 +3522,1213 @@
           <a:chExt cx="0" cy="0"/>
         </a:xfrm>
       </p:grpSpPr>
+      <p:pic>
+        <p:nvPicPr>
+          <p:cNvPr id="33" name="그림 32">
+            <a:extLst>
+              <a:ext uri="{FF2B5EF4-FFF2-40B4-BE49-F238E27FC236}">
+                <a16:creationId xmlns:a16="http://schemas.microsoft.com/office/drawing/2014/main" id="{7E9ABBFE-428C-2941-A5F3-F8C0DAA193EF}"/>
+              </a:ext>
+            </a:extLst>
+          </p:cNvPr>
+          <p:cNvPicPr>
+            <a:picLocks noChangeAspect="1"/>
+          </p:cNvPicPr>
+          <p:nvPr/>
+        </p:nvPicPr>
+        <p:blipFill>
+          <a:blip r:embed="rId2"/>
+          <a:stretch>
+            <a:fillRect/>
+          </a:stretch>
+        </p:blipFill>
+        <p:spPr>
+          <a:xfrm>
+            <a:off x="7073477" y="4531664"/>
+            <a:ext cx="2349500" cy="1841500"/>
+          </a:xfrm>
+          <a:prstGeom prst="rect">
+            <a:avLst/>
+          </a:prstGeom>
+          <a:solidFill>
+            <a:srgbClr val="FFFFFF">
+              <a:shade val="85000"/>
+            </a:srgbClr>
+          </a:solidFill>
+          <a:ln w="88900" cap="sq">
+            <a:solidFill>
+              <a:srgbClr val="FFFFFF"/>
+            </a:solidFill>
+            <a:miter lim="800000"/>
+          </a:ln>
+          <a:effectLst>
+            <a:outerShdw blurRad="55000" dist="18000" dir="5400000" algn="tl" rotWithShape="0">
+              <a:srgbClr val="000000">
+                <a:alpha val="40000"/>
+              </a:srgbClr>
+            </a:outerShdw>
+          </a:effectLst>
+          <a:scene3d>
+            <a:camera prst="orthographicFront"/>
+            <a:lightRig rig="twoPt" dir="t">
+              <a:rot lat="0" lon="0" rev="7200000"/>
+            </a:lightRig>
+          </a:scene3d>
+          <a:sp3d>
+            <a:bevelT w="25400" h="19050"/>
+            <a:contourClr>
+              <a:srgbClr val="FFFFFF"/>
+            </a:contourClr>
+          </a:sp3d>
+        </p:spPr>
+      </p:pic>
+      <p:pic>
+        <p:nvPicPr>
+          <p:cNvPr id="29" name="그림 28" descr="텍스트, 나무이(가) 표시된 사진&#10;&#10;자동 생성된 설명">
+            <a:extLst>
+              <a:ext uri="{FF2B5EF4-FFF2-40B4-BE49-F238E27FC236}">
+                <a16:creationId xmlns:a16="http://schemas.microsoft.com/office/drawing/2014/main" id="{87F83140-DD24-D24A-8831-9B4742817EC3}"/>
+              </a:ext>
+            </a:extLst>
+          </p:cNvPr>
+          <p:cNvPicPr>
+            <a:picLocks noChangeAspect="1"/>
+          </p:cNvPicPr>
+          <p:nvPr/>
+        </p:nvPicPr>
+        <p:blipFill rotWithShape="1">
+          <a:blip r:embed="rId3"/>
+          <a:srcRect b="7742"/>
+          <a:stretch/>
+        </p:blipFill>
+        <p:spPr>
+          <a:xfrm>
+            <a:off x="6771028" y="4217895"/>
+            <a:ext cx="2311400" cy="1816100"/>
+          </a:xfrm>
+          <a:prstGeom prst="rect">
+            <a:avLst/>
+          </a:prstGeom>
+          <a:solidFill>
+            <a:srgbClr val="FFFFFF">
+              <a:shade val="85000"/>
+            </a:srgbClr>
+          </a:solidFill>
+          <a:ln w="88900" cap="sq">
+            <a:solidFill>
+              <a:srgbClr val="FFFFFF"/>
+            </a:solidFill>
+            <a:miter lim="800000"/>
+          </a:ln>
+          <a:effectLst>
+            <a:outerShdw blurRad="55000" dist="18000" dir="5400000" algn="tl" rotWithShape="0">
+              <a:srgbClr val="000000">
+                <a:alpha val="40000"/>
+              </a:srgbClr>
+            </a:outerShdw>
+          </a:effectLst>
+          <a:scene3d>
+            <a:camera prst="orthographicFront"/>
+            <a:lightRig rig="twoPt" dir="t">
+              <a:rot lat="0" lon="0" rev="7200000"/>
+            </a:lightRig>
+          </a:scene3d>
+          <a:sp3d>
+            <a:bevelT w="25400" h="19050"/>
+            <a:contourClr>
+              <a:srgbClr val="FFFFFF"/>
+            </a:contourClr>
+          </a:sp3d>
+        </p:spPr>
+      </p:pic>
+      <p:pic>
+        <p:nvPicPr>
+          <p:cNvPr id="31" name="그림 30">
+            <a:extLst>
+              <a:ext uri="{FF2B5EF4-FFF2-40B4-BE49-F238E27FC236}">
+                <a16:creationId xmlns:a16="http://schemas.microsoft.com/office/drawing/2014/main" id="{9703D663-6287-B04F-BB07-AEA65D2517EC}"/>
+              </a:ext>
+            </a:extLst>
+          </p:cNvPr>
+          <p:cNvPicPr>
+            <a:picLocks noChangeAspect="1"/>
+          </p:cNvPicPr>
+          <p:nvPr/>
+        </p:nvPicPr>
+        <p:blipFill rotWithShape="1">
+          <a:blip r:embed="rId4"/>
+          <a:srcRect b="8387"/>
+          <a:stretch/>
+        </p:blipFill>
+        <p:spPr>
+          <a:xfrm>
+            <a:off x="6375721" y="3946923"/>
+            <a:ext cx="2374900" cy="1803400"/>
+          </a:xfrm>
+          <a:prstGeom prst="rect">
+            <a:avLst/>
+          </a:prstGeom>
+          <a:solidFill>
+            <a:srgbClr val="FFFFFF">
+              <a:shade val="85000"/>
+            </a:srgbClr>
+          </a:solidFill>
+          <a:ln w="88900" cap="sq">
+            <a:solidFill>
+              <a:srgbClr val="FFFFFF"/>
+            </a:solidFill>
+            <a:miter lim="800000"/>
+          </a:ln>
+          <a:effectLst>
+            <a:outerShdw blurRad="55000" dist="18000" dir="5400000" algn="tl" rotWithShape="0">
+              <a:srgbClr val="000000">
+                <a:alpha val="40000"/>
+              </a:srgbClr>
+            </a:outerShdw>
+          </a:effectLst>
+          <a:scene3d>
+            <a:camera prst="orthographicFront"/>
+            <a:lightRig rig="twoPt" dir="t">
+              <a:rot lat="0" lon="0" rev="7200000"/>
+            </a:lightRig>
+          </a:scene3d>
+          <a:sp3d>
+            <a:bevelT w="25400" h="19050"/>
+            <a:contourClr>
+              <a:srgbClr val="FFFFFF"/>
+            </a:contourClr>
+          </a:sp3d>
+        </p:spPr>
+      </p:pic>
+      <p:pic>
+        <p:nvPicPr>
+          <p:cNvPr id="17" name="그림 16" descr="텍스트이(가) 표시된 사진&#10;&#10;자동 생성된 설명">
+            <a:extLst>
+              <a:ext uri="{FF2B5EF4-FFF2-40B4-BE49-F238E27FC236}">
+                <a16:creationId xmlns:a16="http://schemas.microsoft.com/office/drawing/2014/main" id="{C6B50DDF-3CA5-7140-8788-09D3C7B63D1B}"/>
+              </a:ext>
+            </a:extLst>
+          </p:cNvPr>
+          <p:cNvPicPr>
+            <a:picLocks noChangeAspect="1"/>
+          </p:cNvPicPr>
+          <p:nvPr/>
+        </p:nvPicPr>
+        <p:blipFill rotWithShape="1">
+          <a:blip r:embed="rId5"/>
+          <a:srcRect t="8356"/>
+          <a:stretch/>
+        </p:blipFill>
+        <p:spPr>
+          <a:xfrm>
+            <a:off x="3153969" y="4667485"/>
+            <a:ext cx="2191358" cy="1541476"/>
+          </a:xfrm>
+          <a:prstGeom prst="rect">
+            <a:avLst/>
+          </a:prstGeom>
+          <a:solidFill>
+            <a:srgbClr val="FFFFFF">
+              <a:shade val="85000"/>
+            </a:srgbClr>
+          </a:solidFill>
+          <a:ln w="88900" cap="sq">
+            <a:solidFill>
+              <a:srgbClr val="FFFFFF"/>
+            </a:solidFill>
+            <a:miter lim="800000"/>
+          </a:ln>
+          <a:effectLst>
+            <a:outerShdw blurRad="55000" dist="18000" dir="5400000" algn="tl" rotWithShape="0">
+              <a:srgbClr val="000000">
+                <a:alpha val="40000"/>
+              </a:srgbClr>
+            </a:outerShdw>
+          </a:effectLst>
+          <a:scene3d>
+            <a:camera prst="orthographicFront"/>
+            <a:lightRig rig="twoPt" dir="t">
+              <a:rot lat="0" lon="0" rev="7200000"/>
+            </a:lightRig>
+          </a:scene3d>
+          <a:sp3d>
+            <a:bevelT w="25400" h="19050"/>
+            <a:contourClr>
+              <a:srgbClr val="FFFFFF"/>
+            </a:contourClr>
+          </a:sp3d>
+        </p:spPr>
+      </p:pic>
+      <p:pic>
+        <p:nvPicPr>
+          <p:cNvPr id="7" name="그림 6" descr="조류, 실외, 닭이(가) 표시된 사진&#10;&#10;자동 생성된 설명">
+            <a:extLst>
+              <a:ext uri="{FF2B5EF4-FFF2-40B4-BE49-F238E27FC236}">
+                <a16:creationId xmlns:a16="http://schemas.microsoft.com/office/drawing/2014/main" id="{3E2A14C3-2D50-EE4C-A909-D80F2E5E614A}"/>
+              </a:ext>
+            </a:extLst>
+          </p:cNvPr>
+          <p:cNvPicPr>
+            <a:picLocks noChangeAspect="1"/>
+          </p:cNvPicPr>
+          <p:nvPr/>
+        </p:nvPicPr>
+        <p:blipFill>
+          <a:blip r:embed="rId6"/>
+          <a:stretch>
+            <a:fillRect/>
+          </a:stretch>
+        </p:blipFill>
+        <p:spPr>
+          <a:xfrm>
+            <a:off x="2635916" y="694035"/>
+            <a:ext cx="2235200" cy="1816100"/>
+          </a:xfrm>
+          <a:prstGeom prst="rect">
+            <a:avLst/>
+          </a:prstGeom>
+          <a:solidFill>
+            <a:srgbClr val="FFFFFF">
+              <a:shade val="85000"/>
+            </a:srgbClr>
+          </a:solidFill>
+          <a:ln w="88900" cap="sq">
+            <a:solidFill>
+              <a:srgbClr val="FFFFFF"/>
+            </a:solidFill>
+            <a:miter lim="800000"/>
+          </a:ln>
+          <a:effectLst>
+            <a:outerShdw blurRad="55000" dist="18000" dir="5400000" algn="tl" rotWithShape="0">
+              <a:srgbClr val="000000">
+                <a:alpha val="40000"/>
+              </a:srgbClr>
+            </a:outerShdw>
+          </a:effectLst>
+          <a:scene3d>
+            <a:camera prst="orthographicFront"/>
+            <a:lightRig rig="twoPt" dir="t">
+              <a:rot lat="0" lon="0" rev="7200000"/>
+            </a:lightRig>
+          </a:scene3d>
+          <a:sp3d>
+            <a:bevelT w="25400" h="19050"/>
+            <a:contourClr>
+              <a:srgbClr val="FFFFFF"/>
+            </a:contourClr>
+          </a:sp3d>
+        </p:spPr>
+      </p:pic>
+      <p:pic>
+        <p:nvPicPr>
+          <p:cNvPr id="13" name="그림 12" descr="텍스트이(가) 표시된 사진&#10;&#10;자동 생성된 설명">
+            <a:extLst>
+              <a:ext uri="{FF2B5EF4-FFF2-40B4-BE49-F238E27FC236}">
+                <a16:creationId xmlns:a16="http://schemas.microsoft.com/office/drawing/2014/main" id="{B86522DE-789A-7C40-98B1-23F056AD707D}"/>
+              </a:ext>
+            </a:extLst>
+          </p:cNvPr>
+          <p:cNvPicPr>
+            <a:picLocks noChangeAspect="1"/>
+          </p:cNvPicPr>
+          <p:nvPr/>
+        </p:nvPicPr>
+        <p:blipFill rotWithShape="1">
+          <a:blip r:embed="rId7"/>
+          <a:srcRect t="9827"/>
+          <a:stretch/>
+        </p:blipFill>
+        <p:spPr>
+          <a:xfrm>
+            <a:off x="2733770" y="4420597"/>
+            <a:ext cx="2118868" cy="1517903"/>
+          </a:xfrm>
+          <a:prstGeom prst="rect">
+            <a:avLst/>
+          </a:prstGeom>
+          <a:solidFill>
+            <a:srgbClr val="FFFFFF">
+              <a:shade val="85000"/>
+            </a:srgbClr>
+          </a:solidFill>
+          <a:ln w="88900" cap="sq">
+            <a:solidFill>
+              <a:srgbClr val="FFFFFF"/>
+            </a:solidFill>
+            <a:miter lim="800000"/>
+          </a:ln>
+          <a:effectLst>
+            <a:outerShdw blurRad="55000" dist="18000" dir="5400000" algn="tl" rotWithShape="0">
+              <a:srgbClr val="000000">
+                <a:alpha val="40000"/>
+              </a:srgbClr>
+            </a:outerShdw>
+          </a:effectLst>
+          <a:scene3d>
+            <a:camera prst="orthographicFront"/>
+            <a:lightRig rig="twoPt" dir="t">
+              <a:rot lat="0" lon="0" rev="7200000"/>
+            </a:lightRig>
+          </a:scene3d>
+          <a:sp3d>
+            <a:bevelT w="25400" h="19050"/>
+            <a:contourClr>
+              <a:srgbClr val="FFFFFF"/>
+            </a:contourClr>
+          </a:sp3d>
+        </p:spPr>
+      </p:pic>
+      <p:pic>
+        <p:nvPicPr>
+          <p:cNvPr id="15" name="그림 14" descr="텍스트이(가) 표시된 사진&#10;&#10;자동 생성된 설명">
+            <a:extLst>
+              <a:ext uri="{FF2B5EF4-FFF2-40B4-BE49-F238E27FC236}">
+                <a16:creationId xmlns:a16="http://schemas.microsoft.com/office/drawing/2014/main" id="{193888C3-328E-2E4E-A372-49680D7CE11D}"/>
+              </a:ext>
+            </a:extLst>
+          </p:cNvPr>
+          <p:cNvPicPr>
+            <a:picLocks noChangeAspect="1"/>
+          </p:cNvPicPr>
+          <p:nvPr/>
+        </p:nvPicPr>
+        <p:blipFill rotWithShape="1">
+          <a:blip r:embed="rId8"/>
+          <a:srcRect t="5775" b="-2898"/>
+          <a:stretch/>
+        </p:blipFill>
+        <p:spPr>
+          <a:xfrm>
+            <a:off x="2507710" y="4051282"/>
+            <a:ext cx="1940117" cy="1517903"/>
+          </a:xfrm>
+          <a:prstGeom prst="rect">
+            <a:avLst/>
+          </a:prstGeom>
+          <a:solidFill>
+            <a:srgbClr val="FFFFFF">
+              <a:shade val="85000"/>
+            </a:srgbClr>
+          </a:solidFill>
+          <a:ln w="88900" cap="sq">
+            <a:solidFill>
+              <a:srgbClr val="FFFFFF"/>
+            </a:solidFill>
+            <a:miter lim="800000"/>
+          </a:ln>
+          <a:effectLst>
+            <a:outerShdw blurRad="55000" dist="18000" dir="5400000" algn="tl" rotWithShape="0">
+              <a:srgbClr val="000000">
+                <a:alpha val="40000"/>
+              </a:srgbClr>
+            </a:outerShdw>
+          </a:effectLst>
+          <a:scene3d>
+            <a:camera prst="orthographicFront"/>
+            <a:lightRig rig="twoPt" dir="t">
+              <a:rot lat="0" lon="0" rev="7200000"/>
+            </a:lightRig>
+          </a:scene3d>
+          <a:sp3d>
+            <a:bevelT w="25400" h="19050"/>
+            <a:contourClr>
+              <a:srgbClr val="FFFFFF"/>
+            </a:contourClr>
+          </a:sp3d>
+        </p:spPr>
+      </p:pic>
+      <p:pic>
+        <p:nvPicPr>
+          <p:cNvPr id="21" name="그림 20" descr="텍스트, 실외이(가) 표시된 사진&#10;&#10;자동 생성된 설명">
+            <a:extLst>
+              <a:ext uri="{FF2B5EF4-FFF2-40B4-BE49-F238E27FC236}">
+                <a16:creationId xmlns:a16="http://schemas.microsoft.com/office/drawing/2014/main" id="{6A937D36-29BA-E146-9728-6AF70C3BFEDC}"/>
+              </a:ext>
+            </a:extLst>
+          </p:cNvPr>
+          <p:cNvPicPr>
+            <a:picLocks noChangeAspect="1"/>
+          </p:cNvPicPr>
+          <p:nvPr/>
+        </p:nvPicPr>
+        <p:blipFill>
+          <a:blip r:embed="rId9"/>
+          <a:stretch>
+            <a:fillRect/>
+          </a:stretch>
+        </p:blipFill>
+        <p:spPr>
+          <a:xfrm>
+            <a:off x="6150306" y="694035"/>
+            <a:ext cx="2521113" cy="1985905"/>
+          </a:xfrm>
+          <a:prstGeom prst="rect">
+            <a:avLst/>
+          </a:prstGeom>
+          <a:solidFill>
+            <a:srgbClr val="FFFFFF">
+              <a:shade val="85000"/>
+            </a:srgbClr>
+          </a:solidFill>
+          <a:ln w="88900" cap="sq">
+            <a:solidFill>
+              <a:srgbClr val="FFFFFF"/>
+            </a:solidFill>
+            <a:miter lim="800000"/>
+          </a:ln>
+          <a:effectLst>
+            <a:outerShdw blurRad="55000" dist="18000" dir="5400000" algn="tl" rotWithShape="0">
+              <a:srgbClr val="000000">
+                <a:alpha val="40000"/>
+              </a:srgbClr>
+            </a:outerShdw>
+          </a:effectLst>
+          <a:scene3d>
+            <a:camera prst="orthographicFront"/>
+            <a:lightRig rig="twoPt" dir="t">
+              <a:rot lat="0" lon="0" rev="7200000"/>
+            </a:lightRig>
+          </a:scene3d>
+          <a:sp3d>
+            <a:bevelT w="25400" h="19050"/>
+            <a:contourClr>
+              <a:srgbClr val="FFFFFF"/>
+            </a:contourClr>
+          </a:sp3d>
+        </p:spPr>
+      </p:pic>
+      <p:pic>
+        <p:nvPicPr>
+          <p:cNvPr id="25" name="그림 24" descr="텍스트, 실외, 돌이(가) 표시된 사진&#10;&#10;자동 생성된 설명">
+            <a:extLst>
+              <a:ext uri="{FF2B5EF4-FFF2-40B4-BE49-F238E27FC236}">
+                <a16:creationId xmlns:a16="http://schemas.microsoft.com/office/drawing/2014/main" id="{C8373401-C5A2-FF40-A14F-D5ED9B50EE21}"/>
+              </a:ext>
+            </a:extLst>
+          </p:cNvPr>
+          <p:cNvPicPr>
+            <a:picLocks noChangeAspect="1"/>
+          </p:cNvPicPr>
+          <p:nvPr/>
+        </p:nvPicPr>
+        <p:blipFill>
+          <a:blip r:embed="rId10"/>
+          <a:stretch>
+            <a:fillRect/>
+          </a:stretch>
+        </p:blipFill>
+        <p:spPr>
+          <a:xfrm>
+            <a:off x="6172397" y="3700035"/>
+            <a:ext cx="2311400" cy="1803400"/>
+          </a:xfrm>
+          <a:prstGeom prst="rect">
+            <a:avLst/>
+          </a:prstGeom>
+          <a:solidFill>
+            <a:srgbClr val="FFFFFF">
+              <a:shade val="85000"/>
+            </a:srgbClr>
+          </a:solidFill>
+          <a:ln w="88900" cap="sq">
+            <a:solidFill>
+              <a:srgbClr val="FFFFFF"/>
+            </a:solidFill>
+            <a:miter lim="800000"/>
+          </a:ln>
+          <a:effectLst>
+            <a:outerShdw blurRad="55000" dist="18000" dir="5400000" algn="tl" rotWithShape="0">
+              <a:srgbClr val="000000">
+                <a:alpha val="40000"/>
+              </a:srgbClr>
+            </a:outerShdw>
+          </a:effectLst>
+          <a:scene3d>
+            <a:camera prst="orthographicFront"/>
+            <a:lightRig rig="twoPt" dir="t">
+              <a:rot lat="0" lon="0" rev="7200000"/>
+            </a:lightRig>
+          </a:scene3d>
+          <a:sp3d>
+            <a:bevelT w="25400" h="19050"/>
+            <a:contourClr>
+              <a:srgbClr val="FFFFFF"/>
+            </a:contourClr>
+          </a:sp3d>
+        </p:spPr>
+      </p:pic>
+      <p:sp>
+        <p:nvSpPr>
+          <p:cNvPr id="34" name="직사각형 33">
+            <a:extLst>
+              <a:ext uri="{FF2B5EF4-FFF2-40B4-BE49-F238E27FC236}">
+                <a16:creationId xmlns:a16="http://schemas.microsoft.com/office/drawing/2014/main" id="{1E2DBD44-19D1-4246-AF21-3F1B0E6C7050}"/>
+              </a:ext>
+            </a:extLst>
+          </p:cNvPr>
+          <p:cNvSpPr/>
+          <p:nvPr/>
+        </p:nvSpPr>
+        <p:spPr>
+          <a:xfrm>
+            <a:off x="-1041991" y="-572948"/>
+            <a:ext cx="13233991" cy="1040568"/>
+          </a:xfrm>
+          <a:prstGeom prst="rect">
+            <a:avLst/>
+          </a:prstGeom>
+          <a:solidFill>
+            <a:schemeClr val="bg1"/>
+          </a:solidFill>
+          <a:ln>
+            <a:noFill/>
+          </a:ln>
+        </p:spPr>
+        <p:style>
+          <a:lnRef idx="2">
+            <a:schemeClr val="accent1">
+              <a:shade val="50000"/>
+            </a:schemeClr>
+          </a:lnRef>
+          <a:fillRef idx="1">
+            <a:schemeClr val="accent1"/>
+          </a:fillRef>
+          <a:effectRef idx="0">
+            <a:schemeClr val="accent1"/>
+          </a:effectRef>
+          <a:fontRef idx="minor">
+            <a:schemeClr val="lt1"/>
+          </a:fontRef>
+        </p:style>
+        <p:txBody>
+          <a:bodyPr rtlCol="0" anchor="ctr"/>
+          <a:lstStyle/>
+          <a:p>
+            <a:pPr algn="ctr"/>
+            <a:endParaRPr kumimoji="1" lang="ko-KR" altLang="en-US"/>
+          </a:p>
+        </p:txBody>
+      </p:sp>
+      <p:sp>
+        <p:nvSpPr>
+          <p:cNvPr id="35" name="직사각형 34">
+            <a:extLst>
+              <a:ext uri="{FF2B5EF4-FFF2-40B4-BE49-F238E27FC236}">
+                <a16:creationId xmlns:a16="http://schemas.microsoft.com/office/drawing/2014/main" id="{4933FA82-0502-1B4A-B11D-9A14ED2351BD}"/>
+              </a:ext>
+            </a:extLst>
+          </p:cNvPr>
+          <p:cNvSpPr/>
+          <p:nvPr/>
+        </p:nvSpPr>
+        <p:spPr>
+          <a:xfrm>
+            <a:off x="-1687016" y="6688881"/>
+            <a:ext cx="14976295" cy="699516"/>
+          </a:xfrm>
+          <a:prstGeom prst="rect">
+            <a:avLst/>
+          </a:prstGeom>
+          <a:solidFill>
+            <a:schemeClr val="bg1"/>
+          </a:solidFill>
+          <a:ln>
+            <a:noFill/>
+          </a:ln>
+        </p:spPr>
+        <p:style>
+          <a:lnRef idx="2">
+            <a:schemeClr val="accent1">
+              <a:shade val="50000"/>
+            </a:schemeClr>
+          </a:lnRef>
+          <a:fillRef idx="1">
+            <a:schemeClr val="accent1"/>
+          </a:fillRef>
+          <a:effectRef idx="0">
+            <a:schemeClr val="accent1"/>
+          </a:effectRef>
+          <a:fontRef idx="minor">
+            <a:schemeClr val="lt1"/>
+          </a:fontRef>
+        </p:style>
+        <p:txBody>
+          <a:bodyPr rtlCol="0" anchor="ctr"/>
+          <a:lstStyle/>
+          <a:p>
+            <a:pPr algn="ctr"/>
+            <a:endParaRPr kumimoji="1" lang="ko-KR" altLang="en-US"/>
+          </a:p>
+        </p:txBody>
+      </p:sp>
+      <p:sp>
+        <p:nvSpPr>
+          <p:cNvPr id="36" name="직사각형 35">
+            <a:extLst>
+              <a:ext uri="{FF2B5EF4-FFF2-40B4-BE49-F238E27FC236}">
+                <a16:creationId xmlns:a16="http://schemas.microsoft.com/office/drawing/2014/main" id="{D5873358-1101-A240-BDAB-9FEED8D149EE}"/>
+              </a:ext>
+            </a:extLst>
+          </p:cNvPr>
+          <p:cNvSpPr/>
+          <p:nvPr/>
+        </p:nvSpPr>
+        <p:spPr>
+          <a:xfrm>
+            <a:off x="-3040321" y="-302108"/>
+            <a:ext cx="3247217" cy="7897724"/>
+          </a:xfrm>
+          <a:prstGeom prst="rect">
+            <a:avLst/>
+          </a:prstGeom>
+          <a:solidFill>
+            <a:schemeClr val="bg1"/>
+          </a:solidFill>
+          <a:ln>
+            <a:noFill/>
+          </a:ln>
+        </p:spPr>
+        <p:style>
+          <a:lnRef idx="2">
+            <a:schemeClr val="accent1">
+              <a:shade val="50000"/>
+            </a:schemeClr>
+          </a:lnRef>
+          <a:fillRef idx="1">
+            <a:schemeClr val="accent1"/>
+          </a:fillRef>
+          <a:effectRef idx="0">
+            <a:schemeClr val="accent1"/>
+          </a:effectRef>
+          <a:fontRef idx="minor">
+            <a:schemeClr val="lt1"/>
+          </a:fontRef>
+        </p:style>
+        <p:txBody>
+          <a:bodyPr rtlCol="0" anchor="ctr"/>
+          <a:lstStyle/>
+          <a:p>
+            <a:pPr algn="ctr"/>
+            <a:endParaRPr kumimoji="1" lang="ko-KR" altLang="en-US"/>
+          </a:p>
+        </p:txBody>
+      </p:sp>
+      <p:sp>
+        <p:nvSpPr>
+          <p:cNvPr id="37" name="직사각형 36">
+            <a:extLst>
+              <a:ext uri="{FF2B5EF4-FFF2-40B4-BE49-F238E27FC236}">
+                <a16:creationId xmlns:a16="http://schemas.microsoft.com/office/drawing/2014/main" id="{2D7E8B58-F13F-2948-938B-47497611F1FA}"/>
+              </a:ext>
+            </a:extLst>
+          </p:cNvPr>
+          <p:cNvSpPr/>
+          <p:nvPr/>
+        </p:nvSpPr>
+        <p:spPr>
+          <a:xfrm>
+            <a:off x="11977432" y="-509327"/>
+            <a:ext cx="3247217" cy="7897724"/>
+          </a:xfrm>
+          <a:prstGeom prst="rect">
+            <a:avLst/>
+          </a:prstGeom>
+          <a:solidFill>
+            <a:schemeClr val="bg1"/>
+          </a:solidFill>
+          <a:ln>
+            <a:noFill/>
+          </a:ln>
+        </p:spPr>
+        <p:style>
+          <a:lnRef idx="2">
+            <a:schemeClr val="accent1">
+              <a:shade val="50000"/>
+            </a:schemeClr>
+          </a:lnRef>
+          <a:fillRef idx="1">
+            <a:schemeClr val="accent1"/>
+          </a:fillRef>
+          <a:effectRef idx="0">
+            <a:schemeClr val="accent1"/>
+          </a:effectRef>
+          <a:fontRef idx="minor">
+            <a:schemeClr val="lt1"/>
+          </a:fontRef>
+        </p:style>
+        <p:txBody>
+          <a:bodyPr rtlCol="0" anchor="ctr"/>
+          <a:lstStyle/>
+          <a:p>
+            <a:pPr algn="ctr"/>
+            <a:endParaRPr kumimoji="1" lang="ko-KR" altLang="en-US"/>
+          </a:p>
+        </p:txBody>
+      </p:sp>
+      <p:pic>
+        <p:nvPicPr>
+          <p:cNvPr id="5" name="그림 4">
+            <a:extLst>
+              <a:ext uri="{FF2B5EF4-FFF2-40B4-BE49-F238E27FC236}">
+                <a16:creationId xmlns:a16="http://schemas.microsoft.com/office/drawing/2014/main" id="{AB0B5D5C-5ACC-E142-9E81-B9B1DF3506F3}"/>
+              </a:ext>
+            </a:extLst>
+          </p:cNvPr>
+          <p:cNvPicPr>
+            <a:picLocks noChangeAspect="1"/>
+          </p:cNvPicPr>
+          <p:nvPr/>
+        </p:nvPicPr>
+        <p:blipFill>
+          <a:blip r:embed="rId11"/>
+          <a:stretch>
+            <a:fillRect/>
+          </a:stretch>
+        </p:blipFill>
+        <p:spPr>
+          <a:xfrm>
+            <a:off x="-542182" y="2371424"/>
+            <a:ext cx="2067518" cy="1679858"/>
+          </a:xfrm>
+          <a:prstGeom prst="rect">
+            <a:avLst/>
+          </a:prstGeom>
+          <a:solidFill>
+            <a:srgbClr val="FFFFFF">
+              <a:shade val="85000"/>
+            </a:srgbClr>
+          </a:solidFill>
+          <a:ln w="88900" cap="sq">
+            <a:solidFill>
+              <a:srgbClr val="FFFFFF"/>
+            </a:solidFill>
+            <a:miter lim="800000"/>
+          </a:ln>
+          <a:effectLst>
+            <a:outerShdw blurRad="55000" dist="18000" dir="5400000" algn="tl" rotWithShape="0">
+              <a:srgbClr val="000000">
+                <a:alpha val="40000"/>
+              </a:srgbClr>
+            </a:outerShdw>
+          </a:effectLst>
+          <a:scene3d>
+            <a:camera prst="orthographicFront"/>
+            <a:lightRig rig="twoPt" dir="t">
+              <a:rot lat="0" lon="0" rev="7200000"/>
+            </a:lightRig>
+          </a:scene3d>
+          <a:sp3d>
+            <a:bevelT w="25400" h="19050"/>
+            <a:contourClr>
+              <a:srgbClr val="FFFFFF"/>
+            </a:contourClr>
+          </a:sp3d>
+        </p:spPr>
+      </p:pic>
+      <p:pic>
+        <p:nvPicPr>
+          <p:cNvPr id="11" name="그림 10" descr="텍스트이(가) 표시된 사진&#10;&#10;자동 생성된 설명">
+            <a:extLst>
+              <a:ext uri="{FF2B5EF4-FFF2-40B4-BE49-F238E27FC236}">
+                <a16:creationId xmlns:a16="http://schemas.microsoft.com/office/drawing/2014/main" id="{52552974-6C2F-7C44-A52D-039110DFF2CA}"/>
+              </a:ext>
+            </a:extLst>
+          </p:cNvPr>
+          <p:cNvPicPr>
+            <a:picLocks noChangeAspect="1"/>
+          </p:cNvPicPr>
+          <p:nvPr/>
+        </p:nvPicPr>
+        <p:blipFill>
+          <a:blip r:embed="rId12"/>
+          <a:stretch>
+            <a:fillRect/>
+          </a:stretch>
+        </p:blipFill>
+        <p:spPr>
+          <a:xfrm>
+            <a:off x="10300321" y="3646691"/>
+            <a:ext cx="2260600" cy="1778000"/>
+          </a:xfrm>
+          <a:prstGeom prst="rect">
+            <a:avLst/>
+          </a:prstGeom>
+          <a:solidFill>
+            <a:srgbClr val="FFFFFF">
+              <a:shade val="85000"/>
+            </a:srgbClr>
+          </a:solidFill>
+          <a:ln w="88900" cap="sq">
+            <a:solidFill>
+              <a:srgbClr val="FFFFFF"/>
+            </a:solidFill>
+            <a:miter lim="800000"/>
+          </a:ln>
+          <a:effectLst>
+            <a:outerShdw blurRad="55000" dist="18000" dir="5400000" algn="tl" rotWithShape="0">
+              <a:srgbClr val="000000">
+                <a:alpha val="40000"/>
+              </a:srgbClr>
+            </a:outerShdw>
+          </a:effectLst>
+          <a:scene3d>
+            <a:camera prst="orthographicFront"/>
+            <a:lightRig rig="twoPt" dir="t">
+              <a:rot lat="0" lon="0" rev="7200000"/>
+            </a:lightRig>
+          </a:scene3d>
+          <a:sp3d>
+            <a:bevelT w="25400" h="19050"/>
+            <a:contourClr>
+              <a:srgbClr val="FFFFFF"/>
+            </a:contourClr>
+          </a:sp3d>
+        </p:spPr>
+      </p:pic>
+      <p:pic>
+        <p:nvPicPr>
+          <p:cNvPr id="23" name="그림 22" descr="텍스트이(가) 표시된 사진&#10;&#10;자동 생성된 설명">
+            <a:extLst>
+              <a:ext uri="{FF2B5EF4-FFF2-40B4-BE49-F238E27FC236}">
+                <a16:creationId xmlns:a16="http://schemas.microsoft.com/office/drawing/2014/main" id="{552ED47C-8DF5-CE44-94B2-D5C94A668197}"/>
+              </a:ext>
+            </a:extLst>
+          </p:cNvPr>
+          <p:cNvPicPr>
+            <a:picLocks noChangeAspect="1"/>
+          </p:cNvPicPr>
+          <p:nvPr/>
+        </p:nvPicPr>
+        <p:blipFill>
+          <a:blip r:embed="rId13"/>
+          <a:stretch>
+            <a:fillRect/>
+          </a:stretch>
+        </p:blipFill>
+        <p:spPr>
+          <a:xfrm>
+            <a:off x="10055359" y="714508"/>
+            <a:ext cx="2505562" cy="1954889"/>
+          </a:xfrm>
+          <a:prstGeom prst="rect">
+            <a:avLst/>
+          </a:prstGeom>
+          <a:solidFill>
+            <a:srgbClr val="FFFFFF">
+              <a:shade val="85000"/>
+            </a:srgbClr>
+          </a:solidFill>
+          <a:ln w="88900" cap="sq">
+            <a:solidFill>
+              <a:srgbClr val="FFFFFF"/>
+            </a:solidFill>
+            <a:miter lim="800000"/>
+          </a:ln>
+          <a:effectLst>
+            <a:outerShdw blurRad="55000" dist="18000" dir="5400000" algn="tl" rotWithShape="0">
+              <a:srgbClr val="000000">
+                <a:alpha val="40000"/>
+              </a:srgbClr>
+            </a:outerShdw>
+          </a:effectLst>
+          <a:scene3d>
+            <a:camera prst="orthographicFront"/>
+            <a:lightRig rig="twoPt" dir="t">
+              <a:rot lat="0" lon="0" rev="7200000"/>
+            </a:lightRig>
+          </a:scene3d>
+          <a:sp3d>
+            <a:bevelT w="25400" h="19050"/>
+            <a:contourClr>
+              <a:srgbClr val="FFFFFF"/>
+            </a:contourClr>
+          </a:sp3d>
+        </p:spPr>
+      </p:pic>
+      <p:sp>
+        <p:nvSpPr>
+          <p:cNvPr id="38" name="TextBox 37">
+            <a:extLst>
+              <a:ext uri="{FF2B5EF4-FFF2-40B4-BE49-F238E27FC236}">
+                <a16:creationId xmlns:a16="http://schemas.microsoft.com/office/drawing/2014/main" id="{EB4BA4BF-D60A-CD4A-82D7-4324924D2F9E}"/>
+              </a:ext>
+            </a:extLst>
+          </p:cNvPr>
+          <p:cNvSpPr txBox="1"/>
+          <p:nvPr/>
+        </p:nvSpPr>
+        <p:spPr>
+          <a:xfrm>
+            <a:off x="-496557" y="-161538"/>
+            <a:ext cx="1853859" cy="523220"/>
+          </a:xfrm>
+          <a:prstGeom prst="rect">
+            <a:avLst/>
+          </a:prstGeom>
+          <a:noFill/>
+        </p:spPr>
+        <p:txBody>
+          <a:bodyPr wrap="square" rtlCol="0">
+            <a:spAutoFit/>
+          </a:bodyPr>
+          <a:lstStyle/>
+          <a:p>
+            <a:pPr algn="ctr"/>
+            <a:r>
+              <a:rPr kumimoji="1" lang="ko-KR" altLang="en-US" sz="2800" dirty="0">
+                <a:latin typeface="BM JUA OTF" panose="02020603020101020101" pitchFamily="18" charset="-127"/>
+                <a:ea typeface="BM JUA OTF" panose="02020603020101020101" pitchFamily="18" charset="-127"/>
+              </a:rPr>
+              <a:t>마인드 확립</a:t>
+            </a:r>
+          </a:p>
+        </p:txBody>
+      </p:sp>
+      <p:sp>
+        <p:nvSpPr>
+          <p:cNvPr id="39" name="TextBox 38">
+            <a:extLst>
+              <a:ext uri="{FF2B5EF4-FFF2-40B4-BE49-F238E27FC236}">
+                <a16:creationId xmlns:a16="http://schemas.microsoft.com/office/drawing/2014/main" id="{B4F96B70-C333-F14E-B381-3782598775A4}"/>
+              </a:ext>
+            </a:extLst>
+          </p:cNvPr>
+          <p:cNvSpPr txBox="1"/>
+          <p:nvPr/>
+        </p:nvSpPr>
+        <p:spPr>
+          <a:xfrm>
+            <a:off x="2635916" y="-189438"/>
+            <a:ext cx="1853859" cy="523220"/>
+          </a:xfrm>
+          <a:prstGeom prst="rect">
+            <a:avLst/>
+          </a:prstGeom>
+          <a:noFill/>
+        </p:spPr>
+        <p:txBody>
+          <a:bodyPr wrap="square" rtlCol="0">
+            <a:spAutoFit/>
+          </a:bodyPr>
+          <a:lstStyle/>
+          <a:p>
+            <a:pPr algn="ctr"/>
+            <a:r>
+              <a:rPr kumimoji="1" lang="ko-KR" altLang="en-US" sz="2800" dirty="0">
+                <a:latin typeface="BM JUA OTF" panose="02020603020101020101" pitchFamily="18" charset="-127"/>
+                <a:ea typeface="BM JUA OTF" panose="02020603020101020101" pitchFamily="18" charset="-127"/>
+              </a:rPr>
+              <a:t>기초</a:t>
+            </a:r>
+          </a:p>
+        </p:txBody>
+      </p:sp>
+      <p:sp>
+        <p:nvSpPr>
+          <p:cNvPr id="40" name="TextBox 39">
+            <a:extLst>
+              <a:ext uri="{FF2B5EF4-FFF2-40B4-BE49-F238E27FC236}">
+                <a16:creationId xmlns:a16="http://schemas.microsoft.com/office/drawing/2014/main" id="{35E410E1-8CBB-F445-82E2-F704BBAF6E3F}"/>
+              </a:ext>
+            </a:extLst>
+          </p:cNvPr>
+          <p:cNvSpPr txBox="1"/>
+          <p:nvPr/>
+        </p:nvSpPr>
+        <p:spPr>
+          <a:xfrm>
+            <a:off x="6483932" y="-217930"/>
+            <a:ext cx="1853859" cy="523220"/>
+          </a:xfrm>
+          <a:prstGeom prst="rect">
+            <a:avLst/>
+          </a:prstGeom>
+          <a:noFill/>
+        </p:spPr>
+        <p:txBody>
+          <a:bodyPr wrap="square" rtlCol="0">
+            <a:spAutoFit/>
+          </a:bodyPr>
+          <a:lstStyle/>
+          <a:p>
+            <a:pPr algn="ctr"/>
+            <a:r>
+              <a:rPr kumimoji="1" lang="ko-KR" altLang="en-US" sz="2800" dirty="0">
+                <a:latin typeface="BM JUA OTF" panose="02020603020101020101" pitchFamily="18" charset="-127"/>
+                <a:ea typeface="BM JUA OTF" panose="02020603020101020101" pitchFamily="18" charset="-127"/>
+              </a:rPr>
+              <a:t>도약</a:t>
+            </a:r>
+          </a:p>
+        </p:txBody>
+      </p:sp>
+      <p:sp>
+        <p:nvSpPr>
+          <p:cNvPr id="41" name="TextBox 40">
+            <a:extLst>
+              <a:ext uri="{FF2B5EF4-FFF2-40B4-BE49-F238E27FC236}">
+                <a16:creationId xmlns:a16="http://schemas.microsoft.com/office/drawing/2014/main" id="{1BF02336-1FE9-B145-8B58-F01B457AA904}"/>
+              </a:ext>
+            </a:extLst>
+          </p:cNvPr>
+          <p:cNvSpPr txBox="1"/>
+          <p:nvPr/>
+        </p:nvSpPr>
+        <p:spPr>
+          <a:xfrm>
+            <a:off x="10338141" y="-171732"/>
+            <a:ext cx="1853859" cy="523220"/>
+          </a:xfrm>
+          <a:prstGeom prst="rect">
+            <a:avLst/>
+          </a:prstGeom>
+          <a:noFill/>
+        </p:spPr>
+        <p:txBody>
+          <a:bodyPr wrap="square" rtlCol="0">
+            <a:spAutoFit/>
+          </a:bodyPr>
+          <a:lstStyle/>
+          <a:p>
+            <a:pPr algn="ctr"/>
+            <a:r>
+              <a:rPr kumimoji="1" lang="ko-KR" altLang="en-US" sz="2800" dirty="0">
+                <a:latin typeface="BM JUA OTF" panose="02020603020101020101" pitchFamily="18" charset="-127"/>
+                <a:ea typeface="BM JUA OTF" panose="02020603020101020101" pitchFamily="18" charset="-127"/>
+              </a:rPr>
+              <a:t>실전</a:t>
+            </a:r>
+          </a:p>
+        </p:txBody>
+      </p:sp>
+      <p:cxnSp>
+        <p:nvCxnSpPr>
+          <p:cNvPr id="43" name="직선 연결선[R] 42">
+            <a:extLst>
+              <a:ext uri="{FF2B5EF4-FFF2-40B4-BE49-F238E27FC236}">
+                <a16:creationId xmlns:a16="http://schemas.microsoft.com/office/drawing/2014/main" id="{0C115F90-DCD1-E54F-BC9D-027BFBC104EA}"/>
+              </a:ext>
+            </a:extLst>
+          </p:cNvPr>
+          <p:cNvCxnSpPr/>
+          <p:nvPr/>
+        </p:nvCxnSpPr>
+        <p:spPr>
+          <a:xfrm>
+            <a:off x="2003845" y="-35749"/>
+            <a:ext cx="0" cy="6724630"/>
+          </a:xfrm>
+          <a:prstGeom prst="line">
+            <a:avLst/>
+          </a:prstGeom>
+          <a:ln w="34925">
+            <a:solidFill>
+              <a:srgbClr val="FFB800"/>
+            </a:solidFill>
+            <a:prstDash val="sysDash"/>
+          </a:ln>
+        </p:spPr>
+        <p:style>
+          <a:lnRef idx="1">
+            <a:schemeClr val="accent1"/>
+          </a:lnRef>
+          <a:fillRef idx="0">
+            <a:schemeClr val="accent1"/>
+          </a:fillRef>
+          <a:effectRef idx="0">
+            <a:schemeClr val="accent1"/>
+          </a:effectRef>
+          <a:fontRef idx="minor">
+            <a:schemeClr val="tx1"/>
+          </a:fontRef>
+        </p:style>
+      </p:cxnSp>
+      <p:cxnSp>
+        <p:nvCxnSpPr>
+          <p:cNvPr id="44" name="직선 연결선[R] 43">
+            <a:extLst>
+              <a:ext uri="{FF2B5EF4-FFF2-40B4-BE49-F238E27FC236}">
+                <a16:creationId xmlns:a16="http://schemas.microsoft.com/office/drawing/2014/main" id="{33F9EAA3-773C-5546-BA4E-6115094A8945}"/>
+              </a:ext>
+            </a:extLst>
+          </p:cNvPr>
+          <p:cNvCxnSpPr/>
+          <p:nvPr/>
+        </p:nvCxnSpPr>
+        <p:spPr>
+          <a:xfrm>
+            <a:off x="5739417" y="-83241"/>
+            <a:ext cx="0" cy="6724630"/>
+          </a:xfrm>
+          <a:prstGeom prst="line">
+            <a:avLst/>
+          </a:prstGeom>
+          <a:ln w="34925">
+            <a:solidFill>
+              <a:srgbClr val="FFB800"/>
+            </a:solidFill>
+            <a:prstDash val="sysDash"/>
+          </a:ln>
+        </p:spPr>
+        <p:style>
+          <a:lnRef idx="1">
+            <a:schemeClr val="accent1"/>
+          </a:lnRef>
+          <a:fillRef idx="0">
+            <a:schemeClr val="accent1"/>
+          </a:fillRef>
+          <a:effectRef idx="0">
+            <a:schemeClr val="accent1"/>
+          </a:effectRef>
+          <a:fontRef idx="minor">
+            <a:schemeClr val="tx1"/>
+          </a:fontRef>
+        </p:style>
+      </p:cxnSp>
+      <p:cxnSp>
+        <p:nvCxnSpPr>
+          <p:cNvPr id="45" name="직선 연결선[R] 44">
+            <a:extLst>
+              <a:ext uri="{FF2B5EF4-FFF2-40B4-BE49-F238E27FC236}">
+                <a16:creationId xmlns:a16="http://schemas.microsoft.com/office/drawing/2014/main" id="{40A5B560-1D48-7040-AE39-AA7D0FB04699}"/>
+              </a:ext>
+            </a:extLst>
+          </p:cNvPr>
+          <p:cNvCxnSpPr>
+            <a:cxnSpLocks/>
+          </p:cNvCxnSpPr>
+          <p:nvPr/>
+        </p:nvCxnSpPr>
+        <p:spPr>
+          <a:xfrm>
+            <a:off x="9762068" y="-83241"/>
+            <a:ext cx="0" cy="6856181"/>
+          </a:xfrm>
+          <a:prstGeom prst="line">
+            <a:avLst/>
+          </a:prstGeom>
+          <a:ln w="34925">
+            <a:solidFill>
+              <a:srgbClr val="FFB800"/>
+            </a:solidFill>
+            <a:prstDash val="sysDash"/>
+          </a:ln>
+        </p:spPr>
+        <p:style>
+          <a:lnRef idx="1">
+            <a:schemeClr val="accent1"/>
+          </a:lnRef>
+          <a:fillRef idx="0">
+            <a:schemeClr val="accent1"/>
+          </a:fillRef>
+          <a:effectRef idx="0">
+            <a:schemeClr val="accent1"/>
+          </a:effectRef>
+          <a:fontRef idx="minor">
+            <a:schemeClr val="tx1"/>
+          </a:fontRef>
+        </p:style>
+      </p:cxnSp>
     </p:spTree>
     <p:extLst>
       <p:ext uri="{BB962C8B-B14F-4D97-AF65-F5344CB8AC3E}">
